--- a/How autodiff changed the world.pptx
+++ b/How autodiff changed the world.pptx
@@ -5,17 +5,20 @@
     <p:sldMasterId id="2147483648" r:id="rId1"/>
   </p:sldMasterIdLst>
   <p:notesMasterIdLst>
-    <p:notesMasterId r:id="rId7"/>
+    <p:notesMasterId r:id="rId10"/>
   </p:notesMasterIdLst>
   <p:handoutMasterIdLst>
-    <p:handoutMasterId r:id="rId8"/>
+    <p:handoutMasterId r:id="rId11"/>
   </p:handoutMasterIdLst>
   <p:sldIdLst>
     <p:sldId id="256" r:id="rId2"/>
-    <p:sldId id="257" r:id="rId3"/>
-    <p:sldId id="258" r:id="rId4"/>
-    <p:sldId id="259" r:id="rId5"/>
-    <p:sldId id="260" r:id="rId6"/>
+    <p:sldId id="261" r:id="rId3"/>
+    <p:sldId id="257" r:id="rId4"/>
+    <p:sldId id="258" r:id="rId5"/>
+    <p:sldId id="259" r:id="rId6"/>
+    <p:sldId id="260" r:id="rId7"/>
+    <p:sldId id="263" r:id="rId8"/>
+    <p:sldId id="262" r:id="rId9"/>
   </p:sldIdLst>
   <p:sldSz cx="12192000" cy="6858000"/>
   <p:notesSz cx="6858000" cy="9144000"/>
@@ -114,6 +117,14 @@
       </a:defRPr>
     </a:lvl9pPr>
   </p:defaultTextStyle>
+  <p:extLst>
+    <p:ext uri="{EFAFB233-063F-42B5-8137-9DF3F51BA10A}">
+      <p15:sldGuideLst xmlns:p15="http://schemas.microsoft.com/office/powerpoint/2012/main"/>
+    </p:ext>
+    <p:ext uri="{2D200454-40CA-4A62-9FC3-DE9A4176ACB9}">
+      <p15:notesGuideLst xmlns:p15="http://schemas.microsoft.com/office/powerpoint/2012/main"/>
+    </p:ext>
+  </p:extLst>
 </p:presentation>
 </file>
 
@@ -4125,6 +4136,205 @@
 <file path=ppt/slides/slide2.xml><?xml version="1.0" encoding="utf-8"?>
 <p:sld xmlns:a="http://schemas.openxmlformats.org/drawingml/2006/main" xmlns:r="http://schemas.openxmlformats.org/officeDocument/2006/relationships" xmlns:p="http://schemas.openxmlformats.org/presentationml/2006/main">
   <p:cSld>
+    <p:spTree>
+      <p:nvGrpSpPr>
+        <p:cNvPr id="1" name=""/>
+        <p:cNvGrpSpPr/>
+        <p:nvPr/>
+      </p:nvGrpSpPr>
+      <p:grpSpPr>
+        <a:xfrm>
+          <a:off x="0" y="0"/>
+          <a:ext cx="0" cy="0"/>
+          <a:chOff x="0" y="0"/>
+          <a:chExt cx="0" cy="0"/>
+        </a:xfrm>
+      </p:grpSpPr>
+      <p:sp>
+        <p:nvSpPr>
+          <p:cNvPr id="2" name="Title 1">
+            <a:extLst>
+              <a:ext uri="{FF2B5EF4-FFF2-40B4-BE49-F238E27FC236}">
+                <a16:creationId xmlns:a16="http://schemas.microsoft.com/office/drawing/2014/main" id="{AFA3FB33-E459-44C2-8C3E-2980164944DF}"/>
+              </a:ext>
+            </a:extLst>
+          </p:cNvPr>
+          <p:cNvSpPr>
+            <a:spLocks noGrp="1"/>
+          </p:cNvSpPr>
+          <p:nvPr>
+            <p:ph type="title"/>
+          </p:nvPr>
+        </p:nvSpPr>
+        <p:spPr/>
+        <p:txBody>
+          <a:bodyPr/>
+          <a:lstStyle/>
+          <a:p>
+            <a:r>
+              <a:rPr lang="da-DK" dirty="0"/>
+              <a:t>History of deep learning</a:t>
+            </a:r>
+          </a:p>
+        </p:txBody>
+      </p:sp>
+      <p:sp>
+        <p:nvSpPr>
+          <p:cNvPr id="3" name="Content Placeholder 2">
+            <a:extLst>
+              <a:ext uri="{FF2B5EF4-FFF2-40B4-BE49-F238E27FC236}">
+                <a16:creationId xmlns:a16="http://schemas.microsoft.com/office/drawing/2014/main" id="{E0F4738D-97BD-4C83-B3F1-645790055083}"/>
+              </a:ext>
+            </a:extLst>
+          </p:cNvPr>
+          <p:cNvSpPr>
+            <a:spLocks noGrp="1"/>
+          </p:cNvSpPr>
+          <p:nvPr>
+            <p:ph idx="1"/>
+          </p:nvPr>
+        </p:nvSpPr>
+        <p:spPr/>
+        <p:txBody>
+          <a:bodyPr/>
+          <a:lstStyle/>
+          <a:p>
+            <a:endParaRPr lang="da-DK"/>
+          </a:p>
+        </p:txBody>
+      </p:sp>
+      <p:sp>
+        <p:nvSpPr>
+          <p:cNvPr id="4" name="Date Placeholder 3">
+            <a:extLst>
+              <a:ext uri="{FF2B5EF4-FFF2-40B4-BE49-F238E27FC236}">
+                <a16:creationId xmlns:a16="http://schemas.microsoft.com/office/drawing/2014/main" id="{8FDE3585-E720-46C0-833E-F175CF8BA031}"/>
+              </a:ext>
+            </a:extLst>
+          </p:cNvPr>
+          <p:cNvSpPr>
+            <a:spLocks noGrp="1"/>
+          </p:cNvSpPr>
+          <p:nvPr>
+            <p:ph type="dt" sz="half" idx="10"/>
+          </p:nvPr>
+        </p:nvSpPr>
+        <p:spPr/>
+        <p:txBody>
+          <a:bodyPr/>
+          <a:lstStyle/>
+          <a:p>
+            <a:fld id="{019E29B9-5584-4737-9C98-1B926378C778}" type="datetime1">
+              <a:rPr lang="en-US" smtClean="0"/>
+              <a:t>4/7/2021</a:t>
+            </a:fld>
+            <a:endParaRPr lang="da-DK"/>
+          </a:p>
+        </p:txBody>
+      </p:sp>
+      <p:sp>
+        <p:nvSpPr>
+          <p:cNvPr id="5" name="Footer Placeholder 4">
+            <a:extLst>
+              <a:ext uri="{FF2B5EF4-FFF2-40B4-BE49-F238E27FC236}">
+                <a16:creationId xmlns:a16="http://schemas.microsoft.com/office/drawing/2014/main" id="{767C9310-195E-4210-AADE-3C5DE42CF185}"/>
+              </a:ext>
+            </a:extLst>
+          </p:cNvPr>
+          <p:cNvSpPr>
+            <a:spLocks noGrp="1"/>
+          </p:cNvSpPr>
+          <p:nvPr>
+            <p:ph type="ftr" sz="quarter" idx="11"/>
+          </p:nvPr>
+        </p:nvSpPr>
+        <p:spPr/>
+        <p:txBody>
+          <a:bodyPr/>
+          <a:lstStyle/>
+          <a:p>
+            <a:r>
+              <a:rPr lang="da-DK"/>
+              <a:t>Nicki Skafte Detlefsen</a:t>
+            </a:r>
+          </a:p>
+        </p:txBody>
+      </p:sp>
+      <p:sp>
+        <p:nvSpPr>
+          <p:cNvPr id="6" name="Slide Number Placeholder 5">
+            <a:extLst>
+              <a:ext uri="{FF2B5EF4-FFF2-40B4-BE49-F238E27FC236}">
+                <a16:creationId xmlns:a16="http://schemas.microsoft.com/office/drawing/2014/main" id="{2B37452C-28B9-4BDA-AAC9-2F25A667A22F}"/>
+              </a:ext>
+            </a:extLst>
+          </p:cNvPr>
+          <p:cNvSpPr>
+            <a:spLocks noGrp="1"/>
+          </p:cNvSpPr>
+          <p:nvPr>
+            <p:ph type="sldNum" sz="quarter" idx="12"/>
+          </p:nvPr>
+        </p:nvSpPr>
+        <p:spPr/>
+        <p:txBody>
+          <a:bodyPr/>
+          <a:lstStyle/>
+          <a:p>
+            <a:fld id="{F6FEDE24-D50C-481B-A7B4-8AF13899101A}" type="slidenum">
+              <a:rPr lang="da-DK" smtClean="0"/>
+              <a:t>2</a:t>
+            </a:fld>
+            <a:endParaRPr lang="da-DK"/>
+          </a:p>
+        </p:txBody>
+      </p:sp>
+      <p:pic>
+        <p:nvPicPr>
+          <p:cNvPr id="8" name="Picture 7">
+            <a:extLst>
+              <a:ext uri="{FF2B5EF4-FFF2-40B4-BE49-F238E27FC236}">
+                <a16:creationId xmlns:a16="http://schemas.microsoft.com/office/drawing/2014/main" id="{BFFE98C9-580E-46B2-8F7D-EB72EE6FB9EC}"/>
+              </a:ext>
+            </a:extLst>
+          </p:cNvPr>
+          <p:cNvPicPr>
+            <a:picLocks noChangeAspect="1"/>
+          </p:cNvPicPr>
+          <p:nvPr/>
+        </p:nvPicPr>
+        <p:blipFill>
+          <a:blip r:embed="rId2"/>
+          <a:stretch>
+            <a:fillRect/>
+          </a:stretch>
+        </p:blipFill>
+        <p:spPr>
+          <a:xfrm>
+            <a:off x="371475" y="833437"/>
+            <a:ext cx="11449050" cy="5191125"/>
+          </a:xfrm>
+          <a:prstGeom prst="rect">
+            <a:avLst/>
+          </a:prstGeom>
+        </p:spPr>
+      </p:pic>
+    </p:spTree>
+    <p:extLst>
+      <p:ext uri="{BB962C8B-B14F-4D97-AF65-F5344CB8AC3E}">
+        <p14:creationId xmlns:p14="http://schemas.microsoft.com/office/powerpoint/2010/main" val="1591327753"/>
+      </p:ext>
+    </p:extLst>
+  </p:cSld>
+  <p:clrMapOvr>
+    <a:masterClrMapping/>
+  </p:clrMapOvr>
+</p:sld>
+</file>
+
+<file path=ppt/slides/slide3.xml><?xml version="1.0" encoding="utf-8"?>
+<p:sld xmlns:a="http://schemas.openxmlformats.org/drawingml/2006/main" xmlns:r="http://schemas.openxmlformats.org/officeDocument/2006/relationships" xmlns:p="http://schemas.openxmlformats.org/presentationml/2006/main">
+  <p:cSld>
     <p:bg>
       <p:bgPr>
         <a:solidFill>
@@ -4262,7 +4472,7 @@
           <a:p>
             <a:fld id="{F6FEDE24-D50C-481B-A7B4-8AF13899101A}" type="slidenum">
               <a:rPr lang="da-DK" smtClean="0"/>
-              <a:t>2</a:t>
+              <a:t>3</a:t>
             </a:fld>
             <a:endParaRPr lang="da-DK"/>
           </a:p>
@@ -4300,172 +4510,6 @@
     <p:extLst>
       <p:ext uri="{BB962C8B-B14F-4D97-AF65-F5344CB8AC3E}">
         <p14:creationId xmlns:p14="http://schemas.microsoft.com/office/powerpoint/2010/main" val="805747189"/>
-      </p:ext>
-    </p:extLst>
-  </p:cSld>
-  <p:clrMapOvr>
-    <a:masterClrMapping/>
-  </p:clrMapOvr>
-</p:sld>
-</file>
-
-<file path=ppt/slides/slide3.xml><?xml version="1.0" encoding="utf-8"?>
-<p:sld xmlns:a="http://schemas.openxmlformats.org/drawingml/2006/main" xmlns:r="http://schemas.openxmlformats.org/officeDocument/2006/relationships" xmlns:p="http://schemas.openxmlformats.org/presentationml/2006/main">
-  <p:cSld>
-    <p:spTree>
-      <p:nvGrpSpPr>
-        <p:cNvPr id="1" name=""/>
-        <p:cNvGrpSpPr/>
-        <p:nvPr/>
-      </p:nvGrpSpPr>
-      <p:grpSpPr>
-        <a:xfrm>
-          <a:off x="0" y="0"/>
-          <a:ext cx="0" cy="0"/>
-          <a:chOff x="0" y="0"/>
-          <a:chExt cx="0" cy="0"/>
-        </a:xfrm>
-      </p:grpSpPr>
-      <p:sp>
-        <p:nvSpPr>
-          <p:cNvPr id="2" name="Title 1">
-            <a:extLst>
-              <a:ext uri="{FF2B5EF4-FFF2-40B4-BE49-F238E27FC236}">
-                <a16:creationId xmlns:a16="http://schemas.microsoft.com/office/drawing/2014/main" id="{81497318-FC28-4911-B129-D1F77AA1B4F6}"/>
-              </a:ext>
-            </a:extLst>
-          </p:cNvPr>
-          <p:cNvSpPr>
-            <a:spLocks noGrp="1"/>
-          </p:cNvSpPr>
-          <p:nvPr>
-            <p:ph type="title"/>
-          </p:nvPr>
-        </p:nvSpPr>
-        <p:spPr/>
-        <p:txBody>
-          <a:bodyPr/>
-          <a:lstStyle/>
-          <a:p>
-            <a:endParaRPr lang="da-DK"/>
-          </a:p>
-        </p:txBody>
-      </p:sp>
-      <p:sp>
-        <p:nvSpPr>
-          <p:cNvPr id="3" name="Content Placeholder 2">
-            <a:extLst>
-              <a:ext uri="{FF2B5EF4-FFF2-40B4-BE49-F238E27FC236}">
-                <a16:creationId xmlns:a16="http://schemas.microsoft.com/office/drawing/2014/main" id="{8FDCBD96-3C03-4D5D-BA67-BADF2D1D9A91}"/>
-              </a:ext>
-            </a:extLst>
-          </p:cNvPr>
-          <p:cNvSpPr>
-            <a:spLocks noGrp="1"/>
-          </p:cNvSpPr>
-          <p:nvPr>
-            <p:ph idx="1"/>
-          </p:nvPr>
-        </p:nvSpPr>
-        <p:spPr/>
-        <p:txBody>
-          <a:bodyPr/>
-          <a:lstStyle/>
-          <a:p>
-            <a:endParaRPr lang="da-DK"/>
-          </a:p>
-        </p:txBody>
-      </p:sp>
-      <p:sp>
-        <p:nvSpPr>
-          <p:cNvPr id="4" name="Date Placeholder 3">
-            <a:extLst>
-              <a:ext uri="{FF2B5EF4-FFF2-40B4-BE49-F238E27FC236}">
-                <a16:creationId xmlns:a16="http://schemas.microsoft.com/office/drawing/2014/main" id="{DAEFEB3D-1C42-463F-B2E7-4D2CB68294AC}"/>
-              </a:ext>
-            </a:extLst>
-          </p:cNvPr>
-          <p:cNvSpPr>
-            <a:spLocks noGrp="1"/>
-          </p:cNvSpPr>
-          <p:nvPr>
-            <p:ph type="dt" sz="half" idx="10"/>
-          </p:nvPr>
-        </p:nvSpPr>
-        <p:spPr/>
-        <p:txBody>
-          <a:bodyPr/>
-          <a:lstStyle/>
-          <a:p>
-            <a:fld id="{019E29B9-5584-4737-9C98-1B926378C778}" type="datetime1">
-              <a:rPr lang="en-US" smtClean="0"/>
-              <a:t>4/7/2021</a:t>
-            </a:fld>
-            <a:endParaRPr lang="da-DK"/>
-          </a:p>
-        </p:txBody>
-      </p:sp>
-      <p:sp>
-        <p:nvSpPr>
-          <p:cNvPr id="5" name="Footer Placeholder 4">
-            <a:extLst>
-              <a:ext uri="{FF2B5EF4-FFF2-40B4-BE49-F238E27FC236}">
-                <a16:creationId xmlns:a16="http://schemas.microsoft.com/office/drawing/2014/main" id="{20DB3BB7-83AD-4B1A-A3B9-CD0845CF77A5}"/>
-              </a:ext>
-            </a:extLst>
-          </p:cNvPr>
-          <p:cNvSpPr>
-            <a:spLocks noGrp="1"/>
-          </p:cNvSpPr>
-          <p:nvPr>
-            <p:ph type="ftr" sz="quarter" idx="11"/>
-          </p:nvPr>
-        </p:nvSpPr>
-        <p:spPr/>
-        <p:txBody>
-          <a:bodyPr/>
-          <a:lstStyle/>
-          <a:p>
-            <a:r>
-              <a:rPr lang="da-DK"/>
-              <a:t>Nicki Skafte Detlefsen</a:t>
-            </a:r>
-          </a:p>
-        </p:txBody>
-      </p:sp>
-      <p:sp>
-        <p:nvSpPr>
-          <p:cNvPr id="6" name="Slide Number Placeholder 5">
-            <a:extLst>
-              <a:ext uri="{FF2B5EF4-FFF2-40B4-BE49-F238E27FC236}">
-                <a16:creationId xmlns:a16="http://schemas.microsoft.com/office/drawing/2014/main" id="{D4D6810B-0AEC-4CC3-8F2F-28833D36EA46}"/>
-              </a:ext>
-            </a:extLst>
-          </p:cNvPr>
-          <p:cNvSpPr>
-            <a:spLocks noGrp="1"/>
-          </p:cNvSpPr>
-          <p:nvPr>
-            <p:ph type="sldNum" sz="quarter" idx="12"/>
-          </p:nvPr>
-        </p:nvSpPr>
-        <p:spPr/>
-        <p:txBody>
-          <a:bodyPr/>
-          <a:lstStyle/>
-          <a:p>
-            <a:fld id="{F6FEDE24-D50C-481B-A7B4-8AF13899101A}" type="slidenum">
-              <a:rPr lang="da-DK" smtClean="0"/>
-              <a:t>3</a:t>
-            </a:fld>
-            <a:endParaRPr lang="da-DK"/>
-          </a:p>
-        </p:txBody>
-      </p:sp>
-    </p:spTree>
-    <p:extLst>
-      <p:ext uri="{BB962C8B-B14F-4D97-AF65-F5344CB8AC3E}">
-        <p14:creationId xmlns:p14="http://schemas.microsoft.com/office/powerpoint/2010/main" val="4129615894"/>
       </p:ext>
     </p:extLst>
   </p:cSld>
@@ -4497,7 +4541,7 @@
           <p:cNvPr id="2" name="Title 1">
             <a:extLst>
               <a:ext uri="{FF2B5EF4-FFF2-40B4-BE49-F238E27FC236}">
-                <a16:creationId xmlns:a16="http://schemas.microsoft.com/office/drawing/2014/main" id="{1EE4E3C0-9513-4612-BAEF-F687A80219EA}"/>
+                <a16:creationId xmlns:a16="http://schemas.microsoft.com/office/drawing/2014/main" id="{81497318-FC28-4911-B129-D1F77AA1B4F6}"/>
               </a:ext>
             </a:extLst>
           </p:cNvPr>
@@ -4513,32 +4557,10 @@
           <a:bodyPr/>
           <a:lstStyle/>
           <a:p>
-            <a:endParaRPr lang="da-DK"/>
-          </a:p>
-        </p:txBody>
-      </p:sp>
-      <p:sp>
-        <p:nvSpPr>
-          <p:cNvPr id="3" name="Content Placeholder 2">
-            <a:extLst>
-              <a:ext uri="{FF2B5EF4-FFF2-40B4-BE49-F238E27FC236}">
-                <a16:creationId xmlns:a16="http://schemas.microsoft.com/office/drawing/2014/main" id="{1DB6029A-5B72-4920-B86B-74791CB04F99}"/>
-              </a:ext>
-            </a:extLst>
-          </p:cNvPr>
-          <p:cNvSpPr>
-            <a:spLocks noGrp="1"/>
-          </p:cNvSpPr>
-          <p:nvPr>
-            <p:ph idx="1"/>
-          </p:nvPr>
-        </p:nvSpPr>
-        <p:spPr/>
-        <p:txBody>
-          <a:bodyPr/>
-          <a:lstStyle/>
-          <a:p>
-            <a:endParaRPr lang="da-DK" dirty="0"/>
+            <a:r>
+              <a:rPr lang="da-DK" dirty="0"/>
+              <a:t>What has changed?</a:t>
+            </a:r>
           </a:p>
         </p:txBody>
       </p:sp>
@@ -4547,7 +4569,7 @@
           <p:cNvPr id="4" name="Date Placeholder 3">
             <a:extLst>
               <a:ext uri="{FF2B5EF4-FFF2-40B4-BE49-F238E27FC236}">
-                <a16:creationId xmlns:a16="http://schemas.microsoft.com/office/drawing/2014/main" id="{A7C40FB7-2CC1-45D0-9E13-E5D78F9DC23A}"/>
+                <a16:creationId xmlns:a16="http://schemas.microsoft.com/office/drawing/2014/main" id="{DAEFEB3D-1C42-463F-B2E7-4D2CB68294AC}"/>
               </a:ext>
             </a:extLst>
           </p:cNvPr>
@@ -4576,7 +4598,7 @@
           <p:cNvPr id="5" name="Footer Placeholder 4">
             <a:extLst>
               <a:ext uri="{FF2B5EF4-FFF2-40B4-BE49-F238E27FC236}">
-                <a16:creationId xmlns:a16="http://schemas.microsoft.com/office/drawing/2014/main" id="{8D4D23E6-59F9-49C7-9332-F85A73080B10}"/>
+                <a16:creationId xmlns:a16="http://schemas.microsoft.com/office/drawing/2014/main" id="{20DB3BB7-83AD-4B1A-A3B9-CD0845CF77A5}"/>
               </a:ext>
             </a:extLst>
           </p:cNvPr>
@@ -4604,7 +4626,7 @@
           <p:cNvPr id="6" name="Slide Number Placeholder 5">
             <a:extLst>
               <a:ext uri="{FF2B5EF4-FFF2-40B4-BE49-F238E27FC236}">
-                <a16:creationId xmlns:a16="http://schemas.microsoft.com/office/drawing/2014/main" id="{8800601B-F420-4DA6-A221-D5E73066FCFD}"/>
+                <a16:creationId xmlns:a16="http://schemas.microsoft.com/office/drawing/2014/main" id="{D4D6810B-0AEC-4CC3-8F2F-28833D36EA46}"/>
               </a:ext>
             </a:extLst>
           </p:cNvPr>
@@ -4628,10 +4650,430 @@
           </a:p>
         </p:txBody>
       </p:sp>
+      <p:sp>
+        <p:nvSpPr>
+          <p:cNvPr id="7" name="Oval 6">
+            <a:extLst>
+              <a:ext uri="{FF2B5EF4-FFF2-40B4-BE49-F238E27FC236}">
+                <a16:creationId xmlns:a16="http://schemas.microsoft.com/office/drawing/2014/main" id="{9EC0629C-3EBF-4373-8245-0C3A6695D7E8}"/>
+              </a:ext>
+            </a:extLst>
+          </p:cNvPr>
+          <p:cNvSpPr/>
+          <p:nvPr/>
+        </p:nvSpPr>
+        <p:spPr>
+          <a:xfrm>
+            <a:off x="744518" y="2214522"/>
+            <a:ext cx="1800000" cy="1800000"/>
+          </a:xfrm>
+          <a:prstGeom prst="ellipse">
+            <a:avLst/>
+          </a:prstGeom>
+        </p:spPr>
+        <p:style>
+          <a:lnRef idx="2">
+            <a:schemeClr val="accent1">
+              <a:shade val="50000"/>
+            </a:schemeClr>
+          </a:lnRef>
+          <a:fillRef idx="1">
+            <a:schemeClr val="accent1"/>
+          </a:fillRef>
+          <a:effectRef idx="0">
+            <a:schemeClr val="accent1"/>
+          </a:effectRef>
+          <a:fontRef idx="minor">
+            <a:schemeClr val="lt1"/>
+          </a:fontRef>
+        </p:style>
+        <p:txBody>
+          <a:bodyPr rtlCol="0" anchor="ctr"/>
+          <a:lstStyle/>
+          <a:p>
+            <a:pPr algn="ctr"/>
+            <a:r>
+              <a:rPr lang="da-DK" dirty="0"/>
+              <a:t>Big Data</a:t>
+            </a:r>
+          </a:p>
+        </p:txBody>
+      </p:sp>
+      <p:sp>
+        <p:nvSpPr>
+          <p:cNvPr id="8" name="Oval 7">
+            <a:extLst>
+              <a:ext uri="{FF2B5EF4-FFF2-40B4-BE49-F238E27FC236}">
+                <a16:creationId xmlns:a16="http://schemas.microsoft.com/office/drawing/2014/main" id="{55342872-E60A-4BC6-BB50-9978AC9720D6}"/>
+              </a:ext>
+            </a:extLst>
+          </p:cNvPr>
+          <p:cNvSpPr/>
+          <p:nvPr/>
+        </p:nvSpPr>
+        <p:spPr>
+          <a:xfrm>
+            <a:off x="2872806" y="2214522"/>
+            <a:ext cx="1800000" cy="1800000"/>
+          </a:xfrm>
+          <a:prstGeom prst="ellipse">
+            <a:avLst/>
+          </a:prstGeom>
+        </p:spPr>
+        <p:style>
+          <a:lnRef idx="2">
+            <a:schemeClr val="accent1">
+              <a:shade val="50000"/>
+            </a:schemeClr>
+          </a:lnRef>
+          <a:fillRef idx="1">
+            <a:schemeClr val="accent1"/>
+          </a:fillRef>
+          <a:effectRef idx="0">
+            <a:schemeClr val="accent1"/>
+          </a:effectRef>
+          <a:fontRef idx="minor">
+            <a:schemeClr val="lt1"/>
+          </a:fontRef>
+        </p:style>
+        <p:txBody>
+          <a:bodyPr rtlCol="0" anchor="ctr"/>
+          <a:lstStyle/>
+          <a:p>
+            <a:pPr algn="ctr"/>
+            <a:r>
+              <a:rPr lang="da-DK" dirty="0"/>
+              <a:t>Hardware</a:t>
+            </a:r>
+          </a:p>
+        </p:txBody>
+      </p:sp>
+      <p:sp>
+        <p:nvSpPr>
+          <p:cNvPr id="9" name="Oval 8">
+            <a:extLst>
+              <a:ext uri="{FF2B5EF4-FFF2-40B4-BE49-F238E27FC236}">
+                <a16:creationId xmlns:a16="http://schemas.microsoft.com/office/drawing/2014/main" id="{37B499A6-6048-47E6-9F71-BF24B9C96791}"/>
+              </a:ext>
+            </a:extLst>
+          </p:cNvPr>
+          <p:cNvSpPr/>
+          <p:nvPr/>
+        </p:nvSpPr>
+        <p:spPr>
+          <a:xfrm>
+            <a:off x="5001094" y="2172216"/>
+            <a:ext cx="1800000" cy="1800000"/>
+          </a:xfrm>
+          <a:prstGeom prst="ellipse">
+            <a:avLst/>
+          </a:prstGeom>
+        </p:spPr>
+        <p:style>
+          <a:lnRef idx="2">
+            <a:schemeClr val="accent1">
+              <a:shade val="50000"/>
+            </a:schemeClr>
+          </a:lnRef>
+          <a:fillRef idx="1">
+            <a:schemeClr val="accent1"/>
+          </a:fillRef>
+          <a:effectRef idx="0">
+            <a:schemeClr val="accent1"/>
+          </a:effectRef>
+          <a:fontRef idx="minor">
+            <a:schemeClr val="lt1"/>
+          </a:fontRef>
+        </p:style>
+        <p:txBody>
+          <a:bodyPr rtlCol="0" anchor="ctr"/>
+          <a:lstStyle/>
+          <a:p>
+            <a:pPr algn="ctr"/>
+            <a:r>
+              <a:rPr lang="da-DK" dirty="0"/>
+              <a:t>Deep</a:t>
+            </a:r>
+          </a:p>
+        </p:txBody>
+      </p:sp>
+      <p:sp>
+        <p:nvSpPr>
+          <p:cNvPr id="10" name="Oval 9">
+            <a:extLst>
+              <a:ext uri="{FF2B5EF4-FFF2-40B4-BE49-F238E27FC236}">
+                <a16:creationId xmlns:a16="http://schemas.microsoft.com/office/drawing/2014/main" id="{3EC5B04C-3675-451A-A946-32616FDE598F}"/>
+              </a:ext>
+            </a:extLst>
+          </p:cNvPr>
+          <p:cNvSpPr/>
+          <p:nvPr/>
+        </p:nvSpPr>
+        <p:spPr>
+          <a:xfrm>
+            <a:off x="7129382" y="2172216"/>
+            <a:ext cx="1800000" cy="1800000"/>
+          </a:xfrm>
+          <a:prstGeom prst="ellipse">
+            <a:avLst/>
+          </a:prstGeom>
+        </p:spPr>
+        <p:style>
+          <a:lnRef idx="2">
+            <a:schemeClr val="accent1">
+              <a:shade val="50000"/>
+            </a:schemeClr>
+          </a:lnRef>
+          <a:fillRef idx="1">
+            <a:schemeClr val="accent1"/>
+          </a:fillRef>
+          <a:effectRef idx="0">
+            <a:schemeClr val="accent1"/>
+          </a:effectRef>
+          <a:fontRef idx="minor">
+            <a:schemeClr val="lt1"/>
+          </a:fontRef>
+        </p:style>
+        <p:txBody>
+          <a:bodyPr rtlCol="0" anchor="ctr"/>
+          <a:lstStyle/>
+          <a:p>
+            <a:pPr algn="ctr"/>
+            <a:r>
+              <a:rPr lang="da-DK" dirty="0"/>
+              <a:t>Hype</a:t>
+            </a:r>
+          </a:p>
+        </p:txBody>
+      </p:sp>
+      <p:sp>
+        <p:nvSpPr>
+          <p:cNvPr id="11" name="TextBox 10">
+            <a:extLst>
+              <a:ext uri="{FF2B5EF4-FFF2-40B4-BE49-F238E27FC236}">
+                <a16:creationId xmlns:a16="http://schemas.microsoft.com/office/drawing/2014/main" id="{66BE1890-C681-4EF6-91CB-E88405C7A6C8}"/>
+              </a:ext>
+            </a:extLst>
+          </p:cNvPr>
+          <p:cNvSpPr txBox="1"/>
+          <p:nvPr/>
+        </p:nvSpPr>
+        <p:spPr>
+          <a:xfrm>
+            <a:off x="870353" y="4127212"/>
+            <a:ext cx="1426128" cy="646331"/>
+          </a:xfrm>
+          <a:prstGeom prst="rect">
+            <a:avLst/>
+          </a:prstGeom>
+          <a:noFill/>
+        </p:spPr>
+        <p:txBody>
+          <a:bodyPr wrap="square" rtlCol="0">
+            <a:spAutoFit/>
+          </a:bodyPr>
+          <a:lstStyle/>
+          <a:p>
+            <a:r>
+              <a:rPr lang="da-DK" dirty="0"/>
+              <a:t>Models can generalize</a:t>
+            </a:r>
+          </a:p>
+        </p:txBody>
+      </p:sp>
+      <p:sp>
+        <p:nvSpPr>
+          <p:cNvPr id="12" name="TextBox 11">
+            <a:extLst>
+              <a:ext uri="{FF2B5EF4-FFF2-40B4-BE49-F238E27FC236}">
+                <a16:creationId xmlns:a16="http://schemas.microsoft.com/office/drawing/2014/main" id="{8CA6F35D-8FA4-48A0-BA2F-573EB45C9729}"/>
+              </a:ext>
+            </a:extLst>
+          </p:cNvPr>
+          <p:cNvSpPr txBox="1"/>
+          <p:nvPr/>
+        </p:nvSpPr>
+        <p:spPr>
+          <a:xfrm>
+            <a:off x="3312947" y="4127211"/>
+            <a:ext cx="1426128" cy="646331"/>
+          </a:xfrm>
+          <a:prstGeom prst="rect">
+            <a:avLst/>
+          </a:prstGeom>
+          <a:noFill/>
+        </p:spPr>
+        <p:txBody>
+          <a:bodyPr wrap="square" rtlCol="0">
+            <a:spAutoFit/>
+          </a:bodyPr>
+          <a:lstStyle/>
+          <a:p>
+            <a:r>
+              <a:rPr lang="da-DK" dirty="0"/>
+              <a:t>Models are trainable</a:t>
+            </a:r>
+          </a:p>
+        </p:txBody>
+      </p:sp>
+      <p:sp>
+        <p:nvSpPr>
+          <p:cNvPr id="13" name="TextBox 12">
+            <a:extLst>
+              <a:ext uri="{FF2B5EF4-FFF2-40B4-BE49-F238E27FC236}">
+                <a16:creationId xmlns:a16="http://schemas.microsoft.com/office/drawing/2014/main" id="{BE07B5FA-1245-4C5E-92FB-4658A181EA63}"/>
+              </a:ext>
+            </a:extLst>
+          </p:cNvPr>
+          <p:cNvSpPr txBox="1"/>
+          <p:nvPr/>
+        </p:nvSpPr>
+        <p:spPr>
+          <a:xfrm>
+            <a:off x="5374966" y="4127210"/>
+            <a:ext cx="1426128" cy="646331"/>
+          </a:xfrm>
+          <a:prstGeom prst="rect">
+            <a:avLst/>
+          </a:prstGeom>
+          <a:noFill/>
+        </p:spPr>
+        <p:txBody>
+          <a:bodyPr wrap="square" rtlCol="0">
+            <a:spAutoFit/>
+          </a:bodyPr>
+          <a:lstStyle/>
+          <a:p>
+            <a:r>
+              <a:rPr lang="da-DK" dirty="0"/>
+              <a:t>Models are complex</a:t>
+            </a:r>
+          </a:p>
+        </p:txBody>
+      </p:sp>
+      <p:sp>
+        <p:nvSpPr>
+          <p:cNvPr id="14" name="TextBox 13">
+            <a:extLst>
+              <a:ext uri="{FF2B5EF4-FFF2-40B4-BE49-F238E27FC236}">
+                <a16:creationId xmlns:a16="http://schemas.microsoft.com/office/drawing/2014/main" id="{16399E68-47B4-47B0-8756-3460529D272A}"/>
+              </a:ext>
+            </a:extLst>
+          </p:cNvPr>
+          <p:cNvSpPr txBox="1"/>
+          <p:nvPr/>
+        </p:nvSpPr>
+        <p:spPr>
+          <a:xfrm>
+            <a:off x="7503254" y="4127210"/>
+            <a:ext cx="1426128" cy="646331"/>
+          </a:xfrm>
+          <a:prstGeom prst="rect">
+            <a:avLst/>
+          </a:prstGeom>
+          <a:noFill/>
+        </p:spPr>
+        <p:txBody>
+          <a:bodyPr wrap="square" rtlCol="0">
+            <a:spAutoFit/>
+          </a:bodyPr>
+          <a:lstStyle/>
+          <a:p>
+            <a:r>
+              <a:rPr lang="da-DK" dirty="0"/>
+              <a:t>Attacts more people</a:t>
+            </a:r>
+          </a:p>
+        </p:txBody>
+      </p:sp>
+      <p:sp>
+        <p:nvSpPr>
+          <p:cNvPr id="15" name="Oval 14">
+            <a:extLst>
+              <a:ext uri="{FF2B5EF4-FFF2-40B4-BE49-F238E27FC236}">
+                <a16:creationId xmlns:a16="http://schemas.microsoft.com/office/drawing/2014/main" id="{73AF4A8E-5D6B-499E-8CA4-485EB75D80A6}"/>
+              </a:ext>
+            </a:extLst>
+          </p:cNvPr>
+          <p:cNvSpPr/>
+          <p:nvPr/>
+        </p:nvSpPr>
+        <p:spPr>
+          <a:xfrm>
+            <a:off x="9257670" y="2172216"/>
+            <a:ext cx="1800000" cy="1800000"/>
+          </a:xfrm>
+          <a:prstGeom prst="ellipse">
+            <a:avLst/>
+          </a:prstGeom>
+        </p:spPr>
+        <p:style>
+          <a:lnRef idx="2">
+            <a:schemeClr val="accent1">
+              <a:shade val="50000"/>
+            </a:schemeClr>
+          </a:lnRef>
+          <a:fillRef idx="1">
+            <a:schemeClr val="accent1"/>
+          </a:fillRef>
+          <a:effectRef idx="0">
+            <a:schemeClr val="accent1"/>
+          </a:effectRef>
+          <a:fontRef idx="minor">
+            <a:schemeClr val="lt1"/>
+          </a:fontRef>
+        </p:style>
+        <p:txBody>
+          <a:bodyPr rtlCol="0" anchor="ctr"/>
+          <a:lstStyle/>
+          <a:p>
+            <a:pPr algn="ctr"/>
+            <a:r>
+              <a:rPr lang="da-DK" dirty="0"/>
+              <a:t>Software</a:t>
+            </a:r>
+          </a:p>
+        </p:txBody>
+      </p:sp>
+      <p:sp>
+        <p:nvSpPr>
+          <p:cNvPr id="16" name="TextBox 15">
+            <a:extLst>
+              <a:ext uri="{FF2B5EF4-FFF2-40B4-BE49-F238E27FC236}">
+                <a16:creationId xmlns:a16="http://schemas.microsoft.com/office/drawing/2014/main" id="{21C21F75-6D95-4BA7-BDCA-9471A09EF3A5}"/>
+              </a:ext>
+            </a:extLst>
+          </p:cNvPr>
+          <p:cNvSpPr txBox="1"/>
+          <p:nvPr/>
+        </p:nvSpPr>
+        <p:spPr>
+          <a:xfrm>
+            <a:off x="9444606" y="4127210"/>
+            <a:ext cx="1426128" cy="646331"/>
+          </a:xfrm>
+          <a:prstGeom prst="rect">
+            <a:avLst/>
+          </a:prstGeom>
+          <a:noFill/>
+        </p:spPr>
+        <p:txBody>
+          <a:bodyPr wrap="square" rtlCol="0">
+            <a:spAutoFit/>
+          </a:bodyPr>
+          <a:lstStyle/>
+          <a:p>
+            <a:r>
+              <a:rPr lang="da-DK" dirty="0"/>
+              <a:t>Models are easy to code</a:t>
+            </a:r>
+          </a:p>
+        </p:txBody>
+      </p:sp>
     </p:spTree>
     <p:extLst>
       <p:ext uri="{BB962C8B-B14F-4D97-AF65-F5344CB8AC3E}">
-        <p14:creationId xmlns:p14="http://schemas.microsoft.com/office/powerpoint/2010/main" val="2614854895"/>
+        <p14:creationId xmlns:p14="http://schemas.microsoft.com/office/powerpoint/2010/main" val="4129615894"/>
       </p:ext>
     </p:extLst>
   </p:cSld>
@@ -4663,7 +5105,7 @@
           <p:cNvPr id="2" name="Title 1">
             <a:extLst>
               <a:ext uri="{FF2B5EF4-FFF2-40B4-BE49-F238E27FC236}">
-                <a16:creationId xmlns:a16="http://schemas.microsoft.com/office/drawing/2014/main" id="{301795A4-297C-485D-BCB9-AC3115206278}"/>
+                <a16:creationId xmlns:a16="http://schemas.microsoft.com/office/drawing/2014/main" id="{1EE4E3C0-9513-4612-BAEF-F687A80219EA}"/>
               </a:ext>
             </a:extLst>
           </p:cNvPr>
@@ -4681,7 +5123,7 @@
           <a:p>
             <a:r>
               <a:rPr lang="da-DK" dirty="0"/>
-              <a:t>The DL software landscape</a:t>
+              <a:t>Why you should jump the weagon</a:t>
             </a:r>
           </a:p>
         </p:txBody>
@@ -4691,7 +5133,7 @@
           <p:cNvPr id="3" name="Content Placeholder 2">
             <a:extLst>
               <a:ext uri="{FF2B5EF4-FFF2-40B4-BE49-F238E27FC236}">
-                <a16:creationId xmlns:a16="http://schemas.microsoft.com/office/drawing/2014/main" id="{F78455D9-15A8-4A40-B2AE-F8917747EC1F}"/>
+                <a16:creationId xmlns:a16="http://schemas.microsoft.com/office/drawing/2014/main" id="{1DB6029A-5B72-4920-B86B-74791CB04F99}"/>
               </a:ext>
             </a:extLst>
           </p:cNvPr>
@@ -4710,53 +5152,12 @@
             <a:pPr marL="0" indent="0">
               <a:buNone/>
             </a:pPr>
+            <a:r>
+              <a:rPr lang="en-US" dirty="0"/>
+              <a:t>“… the deep learning market is expected  to be worth USD 1,722.9 Million by 2022”</a:t>
+            </a:r>
             <a:endParaRPr lang="da-DK" dirty="0"/>
           </a:p>
-          <a:p>
-            <a:pPr marL="0" indent="0">
-              <a:buNone/>
-            </a:pPr>
-            <a:endParaRPr lang="da-DK" dirty="0"/>
-          </a:p>
-          <a:p>
-            <a:pPr marL="0" indent="0">
-              <a:buNone/>
-            </a:pPr>
-            <a:endParaRPr lang="da-DK" dirty="0"/>
-          </a:p>
-          <a:p>
-            <a:pPr marL="0" indent="0">
-              <a:buNone/>
-            </a:pPr>
-            <a:endParaRPr lang="da-DK" dirty="0"/>
-          </a:p>
-          <a:p>
-            <a:pPr marL="0" indent="0">
-              <a:buNone/>
-            </a:pPr>
-            <a:endParaRPr lang="da-DK" dirty="0"/>
-          </a:p>
-          <a:p>
-            <a:pPr marL="0" indent="0">
-              <a:buNone/>
-            </a:pPr>
-            <a:r>
-              <a:rPr lang="da-DK" dirty="0"/>
-              <a:t>No point in discussion who is best. The (biased) facts are:</a:t>
-            </a:r>
-          </a:p>
-          <a:p>
-            <a:r>
-              <a:rPr lang="da-DK" dirty="0"/>
-              <a:t>Tensorflow are too a large extend used in production</a:t>
-            </a:r>
-          </a:p>
-          <a:p>
-            <a:r>
-              <a:rPr lang="da-DK" dirty="0"/>
-              <a:t>Pytorch is used in research</a:t>
-            </a:r>
-          </a:p>
         </p:txBody>
       </p:sp>
       <p:sp>
@@ -4764,7 +5165,7 @@
           <p:cNvPr id="4" name="Date Placeholder 3">
             <a:extLst>
               <a:ext uri="{FF2B5EF4-FFF2-40B4-BE49-F238E27FC236}">
-                <a16:creationId xmlns:a16="http://schemas.microsoft.com/office/drawing/2014/main" id="{2974D1B7-0321-40DF-AF1C-5A1E63077A51}"/>
+                <a16:creationId xmlns:a16="http://schemas.microsoft.com/office/drawing/2014/main" id="{A7C40FB7-2CC1-45D0-9E13-E5D78F9DC23A}"/>
               </a:ext>
             </a:extLst>
           </p:cNvPr>
@@ -4793,7 +5194,7 @@
           <p:cNvPr id="5" name="Footer Placeholder 4">
             <a:extLst>
               <a:ext uri="{FF2B5EF4-FFF2-40B4-BE49-F238E27FC236}">
-                <a16:creationId xmlns:a16="http://schemas.microsoft.com/office/drawing/2014/main" id="{4305BE43-ABEA-48F8-911A-54D2FD760753}"/>
+                <a16:creationId xmlns:a16="http://schemas.microsoft.com/office/drawing/2014/main" id="{8D4D23E6-59F9-49C7-9332-F85A73080B10}"/>
               </a:ext>
             </a:extLst>
           </p:cNvPr>
@@ -4821,7 +5222,7 @@
           <p:cNvPr id="6" name="Slide Number Placeholder 5">
             <a:extLst>
               <a:ext uri="{FF2B5EF4-FFF2-40B4-BE49-F238E27FC236}">
-                <a16:creationId xmlns:a16="http://schemas.microsoft.com/office/drawing/2014/main" id="{BF0F5E20-9EF4-4714-A060-B1F556270182}"/>
+                <a16:creationId xmlns:a16="http://schemas.microsoft.com/office/drawing/2014/main" id="{8800601B-F420-4DA6-A221-D5E73066FCFD}"/>
               </a:ext>
             </a:extLst>
           </p:cNvPr>
@@ -4840,6 +5241,253 @@
             <a:fld id="{F6FEDE24-D50C-481B-A7B4-8AF13899101A}" type="slidenum">
               <a:rPr lang="da-DK" smtClean="0"/>
               <a:t>5</a:t>
+            </a:fld>
+            <a:endParaRPr lang="da-DK"/>
+          </a:p>
+        </p:txBody>
+      </p:sp>
+      <p:pic>
+        <p:nvPicPr>
+          <p:cNvPr id="8" name="Picture 7">
+            <a:extLst>
+              <a:ext uri="{FF2B5EF4-FFF2-40B4-BE49-F238E27FC236}">
+                <a16:creationId xmlns:a16="http://schemas.microsoft.com/office/drawing/2014/main" id="{2D847BFE-0636-4F2D-A2AF-D786777893AB}"/>
+              </a:ext>
+            </a:extLst>
+          </p:cNvPr>
+          <p:cNvPicPr>
+            <a:picLocks noChangeAspect="1"/>
+          </p:cNvPicPr>
+          <p:nvPr/>
+        </p:nvPicPr>
+        <p:blipFill>
+          <a:blip r:embed="rId2"/>
+          <a:stretch>
+            <a:fillRect/>
+          </a:stretch>
+        </p:blipFill>
+        <p:spPr>
+          <a:xfrm>
+            <a:off x="2654285" y="2234136"/>
+            <a:ext cx="7000875" cy="3648075"/>
+          </a:xfrm>
+          <a:prstGeom prst="rect">
+            <a:avLst/>
+          </a:prstGeom>
+        </p:spPr>
+      </p:pic>
+    </p:spTree>
+    <p:extLst>
+      <p:ext uri="{BB962C8B-B14F-4D97-AF65-F5344CB8AC3E}">
+        <p14:creationId xmlns:p14="http://schemas.microsoft.com/office/powerpoint/2010/main" val="2614854895"/>
+      </p:ext>
+    </p:extLst>
+  </p:cSld>
+  <p:clrMapOvr>
+    <a:masterClrMapping/>
+  </p:clrMapOvr>
+</p:sld>
+</file>
+
+<file path=ppt/slides/slide6.xml><?xml version="1.0" encoding="utf-8"?>
+<p:sld xmlns:a="http://schemas.openxmlformats.org/drawingml/2006/main" xmlns:r="http://schemas.openxmlformats.org/officeDocument/2006/relationships" xmlns:p="http://schemas.openxmlformats.org/presentationml/2006/main">
+  <p:cSld>
+    <p:spTree>
+      <p:nvGrpSpPr>
+        <p:cNvPr id="1" name=""/>
+        <p:cNvGrpSpPr/>
+        <p:nvPr/>
+      </p:nvGrpSpPr>
+      <p:grpSpPr>
+        <a:xfrm>
+          <a:off x="0" y="0"/>
+          <a:ext cx="0" cy="0"/>
+          <a:chOff x="0" y="0"/>
+          <a:chExt cx="0" cy="0"/>
+        </a:xfrm>
+      </p:grpSpPr>
+      <p:sp>
+        <p:nvSpPr>
+          <p:cNvPr id="2" name="Title 1">
+            <a:extLst>
+              <a:ext uri="{FF2B5EF4-FFF2-40B4-BE49-F238E27FC236}">
+                <a16:creationId xmlns:a16="http://schemas.microsoft.com/office/drawing/2014/main" id="{301795A4-297C-485D-BCB9-AC3115206278}"/>
+              </a:ext>
+            </a:extLst>
+          </p:cNvPr>
+          <p:cNvSpPr>
+            <a:spLocks noGrp="1"/>
+          </p:cNvSpPr>
+          <p:nvPr>
+            <p:ph type="title"/>
+          </p:nvPr>
+        </p:nvSpPr>
+        <p:spPr/>
+        <p:txBody>
+          <a:bodyPr/>
+          <a:lstStyle/>
+          <a:p>
+            <a:r>
+              <a:rPr lang="da-DK" dirty="0"/>
+              <a:t>The DL software landscape</a:t>
+            </a:r>
+          </a:p>
+        </p:txBody>
+      </p:sp>
+      <p:sp>
+        <p:nvSpPr>
+          <p:cNvPr id="3" name="Content Placeholder 2">
+            <a:extLst>
+              <a:ext uri="{FF2B5EF4-FFF2-40B4-BE49-F238E27FC236}">
+                <a16:creationId xmlns:a16="http://schemas.microsoft.com/office/drawing/2014/main" id="{F78455D9-15A8-4A40-B2AE-F8917747EC1F}"/>
+              </a:ext>
+            </a:extLst>
+          </p:cNvPr>
+          <p:cNvSpPr>
+            <a:spLocks noGrp="1"/>
+          </p:cNvSpPr>
+          <p:nvPr>
+            <p:ph idx="1"/>
+          </p:nvPr>
+        </p:nvSpPr>
+        <p:spPr/>
+        <p:txBody>
+          <a:bodyPr/>
+          <a:lstStyle/>
+          <a:p>
+            <a:pPr marL="0" indent="0">
+              <a:buNone/>
+            </a:pPr>
+            <a:endParaRPr lang="da-DK" dirty="0"/>
+          </a:p>
+          <a:p>
+            <a:pPr marL="0" indent="0">
+              <a:buNone/>
+            </a:pPr>
+            <a:endParaRPr lang="da-DK" dirty="0"/>
+          </a:p>
+          <a:p>
+            <a:pPr marL="0" indent="0">
+              <a:buNone/>
+            </a:pPr>
+            <a:endParaRPr lang="da-DK" dirty="0"/>
+          </a:p>
+          <a:p>
+            <a:pPr marL="0" indent="0">
+              <a:buNone/>
+            </a:pPr>
+            <a:endParaRPr lang="da-DK" dirty="0"/>
+          </a:p>
+          <a:p>
+            <a:pPr marL="0" indent="0">
+              <a:buNone/>
+            </a:pPr>
+            <a:endParaRPr lang="da-DK" dirty="0"/>
+          </a:p>
+          <a:p>
+            <a:pPr marL="0" indent="0">
+              <a:buNone/>
+            </a:pPr>
+            <a:r>
+              <a:rPr lang="da-DK" dirty="0"/>
+              <a:t>No point in discussion who is best. The (biased) facts are:</a:t>
+            </a:r>
+          </a:p>
+          <a:p>
+            <a:r>
+              <a:rPr lang="da-DK" dirty="0"/>
+              <a:t>Tensorflow are too a large extend used in production</a:t>
+            </a:r>
+          </a:p>
+          <a:p>
+            <a:r>
+              <a:rPr lang="da-DK" dirty="0"/>
+              <a:t>Pytorch is used in research</a:t>
+            </a:r>
+          </a:p>
+        </p:txBody>
+      </p:sp>
+      <p:sp>
+        <p:nvSpPr>
+          <p:cNvPr id="4" name="Date Placeholder 3">
+            <a:extLst>
+              <a:ext uri="{FF2B5EF4-FFF2-40B4-BE49-F238E27FC236}">
+                <a16:creationId xmlns:a16="http://schemas.microsoft.com/office/drawing/2014/main" id="{2974D1B7-0321-40DF-AF1C-5A1E63077A51}"/>
+              </a:ext>
+            </a:extLst>
+          </p:cNvPr>
+          <p:cNvSpPr>
+            <a:spLocks noGrp="1"/>
+          </p:cNvSpPr>
+          <p:nvPr>
+            <p:ph type="dt" sz="half" idx="10"/>
+          </p:nvPr>
+        </p:nvSpPr>
+        <p:spPr/>
+        <p:txBody>
+          <a:bodyPr/>
+          <a:lstStyle/>
+          <a:p>
+            <a:fld id="{019E29B9-5584-4737-9C98-1B926378C778}" type="datetime1">
+              <a:rPr lang="en-US" smtClean="0"/>
+              <a:t>4/7/2021</a:t>
+            </a:fld>
+            <a:endParaRPr lang="da-DK"/>
+          </a:p>
+        </p:txBody>
+      </p:sp>
+      <p:sp>
+        <p:nvSpPr>
+          <p:cNvPr id="5" name="Footer Placeholder 4">
+            <a:extLst>
+              <a:ext uri="{FF2B5EF4-FFF2-40B4-BE49-F238E27FC236}">
+                <a16:creationId xmlns:a16="http://schemas.microsoft.com/office/drawing/2014/main" id="{4305BE43-ABEA-48F8-911A-54D2FD760753}"/>
+              </a:ext>
+            </a:extLst>
+          </p:cNvPr>
+          <p:cNvSpPr>
+            <a:spLocks noGrp="1"/>
+          </p:cNvSpPr>
+          <p:nvPr>
+            <p:ph type="ftr" sz="quarter" idx="11"/>
+          </p:nvPr>
+        </p:nvSpPr>
+        <p:spPr/>
+        <p:txBody>
+          <a:bodyPr/>
+          <a:lstStyle/>
+          <a:p>
+            <a:r>
+              <a:rPr lang="da-DK"/>
+              <a:t>Nicki Skafte Detlefsen</a:t>
+            </a:r>
+          </a:p>
+        </p:txBody>
+      </p:sp>
+      <p:sp>
+        <p:nvSpPr>
+          <p:cNvPr id="6" name="Slide Number Placeholder 5">
+            <a:extLst>
+              <a:ext uri="{FF2B5EF4-FFF2-40B4-BE49-F238E27FC236}">
+                <a16:creationId xmlns:a16="http://schemas.microsoft.com/office/drawing/2014/main" id="{BF0F5E20-9EF4-4714-A060-B1F556270182}"/>
+              </a:ext>
+            </a:extLst>
+          </p:cNvPr>
+          <p:cNvSpPr>
+            <a:spLocks noGrp="1"/>
+          </p:cNvSpPr>
+          <p:nvPr>
+            <p:ph type="sldNum" sz="quarter" idx="12"/>
+          </p:nvPr>
+        </p:nvSpPr>
+        <p:spPr/>
+        <p:txBody>
+          <a:bodyPr/>
+          <a:lstStyle/>
+          <a:p>
+            <a:fld id="{F6FEDE24-D50C-481B-A7B4-8AF13899101A}" type="slidenum">
+              <a:rPr lang="da-DK" smtClean="0"/>
+              <a:t>6</a:t>
             </a:fld>
             <a:endParaRPr lang="da-DK"/>
           </a:p>
@@ -5033,10 +5681,682 @@
           </a:extLst>
         </p:spPr>
       </p:pic>
+      <p:sp>
+        <p:nvSpPr>
+          <p:cNvPr id="11" name="Rectangle 10">
+            <a:extLst>
+              <a:ext uri="{FF2B5EF4-FFF2-40B4-BE49-F238E27FC236}">
+                <a16:creationId xmlns:a16="http://schemas.microsoft.com/office/drawing/2014/main" id="{3652F33D-7935-4615-B916-14D56905DC5C}"/>
+              </a:ext>
+            </a:extLst>
+          </p:cNvPr>
+          <p:cNvSpPr/>
+          <p:nvPr/>
+        </p:nvSpPr>
+        <p:spPr>
+          <a:xfrm>
+            <a:off x="6786694" y="713064"/>
+            <a:ext cx="3814631" cy="2961314"/>
+          </a:xfrm>
+          <a:prstGeom prst="rect">
+            <a:avLst/>
+          </a:prstGeom>
+          <a:noFill/>
+          <a:ln w="38100">
+            <a:solidFill>
+              <a:srgbClr val="FF0000"/>
+            </a:solidFill>
+          </a:ln>
+        </p:spPr>
+        <p:style>
+          <a:lnRef idx="2">
+            <a:schemeClr val="accent1">
+              <a:shade val="50000"/>
+            </a:schemeClr>
+          </a:lnRef>
+          <a:fillRef idx="1">
+            <a:schemeClr val="accent1"/>
+          </a:fillRef>
+          <a:effectRef idx="0">
+            <a:schemeClr val="accent1"/>
+          </a:effectRef>
+          <a:fontRef idx="minor">
+            <a:schemeClr val="lt1"/>
+          </a:fontRef>
+        </p:style>
+        <p:txBody>
+          <a:bodyPr rtlCol="0" anchor="ctr"/>
+          <a:lstStyle/>
+          <a:p>
+            <a:pPr algn="ctr"/>
+            <a:endParaRPr lang="da-DK"/>
+          </a:p>
+        </p:txBody>
+      </p:sp>
     </p:spTree>
     <p:extLst>
       <p:ext uri="{BB962C8B-B14F-4D97-AF65-F5344CB8AC3E}">
         <p14:creationId xmlns:p14="http://schemas.microsoft.com/office/powerpoint/2010/main" val="439255739"/>
+      </p:ext>
+    </p:extLst>
+  </p:cSld>
+  <p:clrMapOvr>
+    <a:masterClrMapping/>
+  </p:clrMapOvr>
+</p:sld>
+</file>
+
+<file path=ppt/slides/slide7.xml><?xml version="1.0" encoding="utf-8"?>
+<p:sld xmlns:a="http://schemas.openxmlformats.org/drawingml/2006/main" xmlns:r="http://schemas.openxmlformats.org/officeDocument/2006/relationships" xmlns:p="http://schemas.openxmlformats.org/presentationml/2006/main">
+  <p:cSld>
+    <p:spTree>
+      <p:nvGrpSpPr>
+        <p:cNvPr id="1" name=""/>
+        <p:cNvGrpSpPr/>
+        <p:nvPr/>
+      </p:nvGrpSpPr>
+      <p:grpSpPr>
+        <a:xfrm>
+          <a:off x="0" y="0"/>
+          <a:ext cx="0" cy="0"/>
+          <a:chOff x="0" y="0"/>
+          <a:chExt cx="0" cy="0"/>
+        </a:xfrm>
+      </p:grpSpPr>
+      <p:sp>
+        <p:nvSpPr>
+          <p:cNvPr id="2" name="Title 1">
+            <a:extLst>
+              <a:ext uri="{FF2B5EF4-FFF2-40B4-BE49-F238E27FC236}">
+                <a16:creationId xmlns:a16="http://schemas.microsoft.com/office/drawing/2014/main" id="{3B196954-D4EE-488B-B250-B4A352C7A845}"/>
+              </a:ext>
+            </a:extLst>
+          </p:cNvPr>
+          <p:cNvSpPr>
+            <a:spLocks noGrp="1"/>
+          </p:cNvSpPr>
+          <p:nvPr>
+            <p:ph type="title"/>
+          </p:nvPr>
+        </p:nvSpPr>
+        <p:spPr/>
+        <p:txBody>
+          <a:bodyPr/>
+          <a:lstStyle/>
+          <a:p>
+            <a:r>
+              <a:rPr lang="da-DK" dirty="0"/>
+              <a:t>How to make a modern deep learning framework</a:t>
+            </a:r>
+          </a:p>
+        </p:txBody>
+      </p:sp>
+      <p:sp>
+        <p:nvSpPr>
+          <p:cNvPr id="3" name="Content Placeholder 2">
+            <a:extLst>
+              <a:ext uri="{FF2B5EF4-FFF2-40B4-BE49-F238E27FC236}">
+                <a16:creationId xmlns:a16="http://schemas.microsoft.com/office/drawing/2014/main" id="{67BAF2C6-3100-47AD-AFBC-101D716A7503}"/>
+              </a:ext>
+            </a:extLst>
+          </p:cNvPr>
+          <p:cNvSpPr>
+            <a:spLocks noGrp="1"/>
+          </p:cNvSpPr>
+          <p:nvPr>
+            <p:ph idx="1"/>
+          </p:nvPr>
+        </p:nvSpPr>
+        <p:spPr/>
+        <p:txBody>
+          <a:bodyPr/>
+          <a:lstStyle/>
+          <a:p>
+            <a:endParaRPr lang="da-DK"/>
+          </a:p>
+        </p:txBody>
+      </p:sp>
+      <p:sp>
+        <p:nvSpPr>
+          <p:cNvPr id="4" name="Date Placeholder 3">
+            <a:extLst>
+              <a:ext uri="{FF2B5EF4-FFF2-40B4-BE49-F238E27FC236}">
+                <a16:creationId xmlns:a16="http://schemas.microsoft.com/office/drawing/2014/main" id="{3C082D71-621F-4D79-8A34-878DFF70AC94}"/>
+              </a:ext>
+            </a:extLst>
+          </p:cNvPr>
+          <p:cNvSpPr>
+            <a:spLocks noGrp="1"/>
+          </p:cNvSpPr>
+          <p:nvPr>
+            <p:ph type="dt" sz="half" idx="10"/>
+          </p:nvPr>
+        </p:nvSpPr>
+        <p:spPr/>
+        <p:txBody>
+          <a:bodyPr/>
+          <a:lstStyle/>
+          <a:p>
+            <a:fld id="{019E29B9-5584-4737-9C98-1B926378C778}" type="datetime1">
+              <a:rPr lang="en-US" smtClean="0"/>
+              <a:t>4/7/2021</a:t>
+            </a:fld>
+            <a:endParaRPr lang="da-DK"/>
+          </a:p>
+        </p:txBody>
+      </p:sp>
+      <p:sp>
+        <p:nvSpPr>
+          <p:cNvPr id="5" name="Footer Placeholder 4">
+            <a:extLst>
+              <a:ext uri="{FF2B5EF4-FFF2-40B4-BE49-F238E27FC236}">
+                <a16:creationId xmlns:a16="http://schemas.microsoft.com/office/drawing/2014/main" id="{EC3AB0CB-DB29-408A-A980-2902500B31EF}"/>
+              </a:ext>
+            </a:extLst>
+          </p:cNvPr>
+          <p:cNvSpPr>
+            <a:spLocks noGrp="1"/>
+          </p:cNvSpPr>
+          <p:nvPr>
+            <p:ph type="ftr" sz="quarter" idx="11"/>
+          </p:nvPr>
+        </p:nvSpPr>
+        <p:spPr/>
+        <p:txBody>
+          <a:bodyPr/>
+          <a:lstStyle/>
+          <a:p>
+            <a:r>
+              <a:rPr lang="da-DK"/>
+              <a:t>Nicki Skafte Detlefsen</a:t>
+            </a:r>
+          </a:p>
+        </p:txBody>
+      </p:sp>
+      <p:sp>
+        <p:nvSpPr>
+          <p:cNvPr id="6" name="Slide Number Placeholder 5">
+            <a:extLst>
+              <a:ext uri="{FF2B5EF4-FFF2-40B4-BE49-F238E27FC236}">
+                <a16:creationId xmlns:a16="http://schemas.microsoft.com/office/drawing/2014/main" id="{05290D20-0CAA-4245-879F-66A38F0100B4}"/>
+              </a:ext>
+            </a:extLst>
+          </p:cNvPr>
+          <p:cNvSpPr>
+            <a:spLocks noGrp="1"/>
+          </p:cNvSpPr>
+          <p:nvPr>
+            <p:ph type="sldNum" sz="quarter" idx="12"/>
+          </p:nvPr>
+        </p:nvSpPr>
+        <p:spPr/>
+        <p:txBody>
+          <a:bodyPr/>
+          <a:lstStyle/>
+          <a:p>
+            <a:fld id="{F6FEDE24-D50C-481B-A7B4-8AF13899101A}" type="slidenum">
+              <a:rPr lang="da-DK" smtClean="0"/>
+              <a:t>7</a:t>
+            </a:fld>
+            <a:endParaRPr lang="da-DK"/>
+          </a:p>
+        </p:txBody>
+      </p:sp>
+      <p:sp>
+        <p:nvSpPr>
+          <p:cNvPr id="8" name="Oval 7">
+            <a:extLst>
+              <a:ext uri="{FF2B5EF4-FFF2-40B4-BE49-F238E27FC236}">
+                <a16:creationId xmlns:a16="http://schemas.microsoft.com/office/drawing/2014/main" id="{9079CECD-657D-4CD2-A48D-792D57A2AA81}"/>
+              </a:ext>
+            </a:extLst>
+          </p:cNvPr>
+          <p:cNvSpPr/>
+          <p:nvPr/>
+        </p:nvSpPr>
+        <p:spPr>
+          <a:xfrm>
+            <a:off x="2757733" y="2759807"/>
+            <a:ext cx="1800000" cy="1800000"/>
+          </a:xfrm>
+          <a:prstGeom prst="ellipse">
+            <a:avLst/>
+          </a:prstGeom>
+        </p:spPr>
+        <p:style>
+          <a:lnRef idx="2">
+            <a:schemeClr val="accent1">
+              <a:shade val="50000"/>
+            </a:schemeClr>
+          </a:lnRef>
+          <a:fillRef idx="1">
+            <a:schemeClr val="accent1"/>
+          </a:fillRef>
+          <a:effectRef idx="0">
+            <a:schemeClr val="accent1"/>
+          </a:effectRef>
+          <a:fontRef idx="minor">
+            <a:schemeClr val="lt1"/>
+          </a:fontRef>
+        </p:style>
+        <p:txBody>
+          <a:bodyPr rtlCol="0" anchor="ctr"/>
+          <a:lstStyle/>
+          <a:p>
+            <a:pPr algn="ctr"/>
+            <a:r>
+              <a:rPr lang="da-DK" dirty="0"/>
+              <a:t>Tensors</a:t>
+            </a:r>
+          </a:p>
+        </p:txBody>
+      </p:sp>
+      <p:sp>
+        <p:nvSpPr>
+          <p:cNvPr id="9" name="Oval 8">
+            <a:extLst>
+              <a:ext uri="{FF2B5EF4-FFF2-40B4-BE49-F238E27FC236}">
+                <a16:creationId xmlns:a16="http://schemas.microsoft.com/office/drawing/2014/main" id="{AB420AE8-4276-4DF0-AA32-8B6D46408DEA}"/>
+              </a:ext>
+            </a:extLst>
+          </p:cNvPr>
+          <p:cNvSpPr/>
+          <p:nvPr/>
+        </p:nvSpPr>
+        <p:spPr>
+          <a:xfrm>
+            <a:off x="4970197" y="2759807"/>
+            <a:ext cx="1800000" cy="1800000"/>
+          </a:xfrm>
+          <a:prstGeom prst="ellipse">
+            <a:avLst/>
+          </a:prstGeom>
+        </p:spPr>
+        <p:style>
+          <a:lnRef idx="2">
+            <a:schemeClr val="accent1">
+              <a:shade val="50000"/>
+            </a:schemeClr>
+          </a:lnRef>
+          <a:fillRef idx="1">
+            <a:schemeClr val="accent1"/>
+          </a:fillRef>
+          <a:effectRef idx="0">
+            <a:schemeClr val="accent1"/>
+          </a:effectRef>
+          <a:fontRef idx="minor">
+            <a:schemeClr val="lt1"/>
+          </a:fontRef>
+        </p:style>
+        <p:txBody>
+          <a:bodyPr rtlCol="0" anchor="ctr"/>
+          <a:lstStyle/>
+          <a:p>
+            <a:pPr algn="ctr"/>
+            <a:r>
+              <a:rPr lang="da-DK" dirty="0"/>
+              <a:t>Hardware acceleration</a:t>
+            </a:r>
+          </a:p>
+        </p:txBody>
+      </p:sp>
+      <p:sp>
+        <p:nvSpPr>
+          <p:cNvPr id="10" name="Oval 9">
+            <a:extLst>
+              <a:ext uri="{FF2B5EF4-FFF2-40B4-BE49-F238E27FC236}">
+                <a16:creationId xmlns:a16="http://schemas.microsoft.com/office/drawing/2014/main" id="{928F16EF-A68D-4ECA-94B2-28ACA2C52F94}"/>
+              </a:ext>
+            </a:extLst>
+          </p:cNvPr>
+          <p:cNvSpPr/>
+          <p:nvPr/>
+        </p:nvSpPr>
+        <p:spPr>
+          <a:xfrm>
+            <a:off x="7253400" y="2759807"/>
+            <a:ext cx="1800000" cy="1800000"/>
+          </a:xfrm>
+          <a:prstGeom prst="ellipse">
+            <a:avLst/>
+          </a:prstGeom>
+        </p:spPr>
+        <p:style>
+          <a:lnRef idx="2">
+            <a:schemeClr val="accent1">
+              <a:shade val="50000"/>
+            </a:schemeClr>
+          </a:lnRef>
+          <a:fillRef idx="1">
+            <a:schemeClr val="accent1"/>
+          </a:fillRef>
+          <a:effectRef idx="0">
+            <a:schemeClr val="accent1"/>
+          </a:effectRef>
+          <a:fontRef idx="minor">
+            <a:schemeClr val="lt1"/>
+          </a:fontRef>
+        </p:style>
+        <p:txBody>
+          <a:bodyPr rtlCol="0" anchor="ctr"/>
+          <a:lstStyle/>
+          <a:p>
+            <a:pPr algn="ctr"/>
+            <a:r>
+              <a:rPr lang="da-DK" dirty="0"/>
+              <a:t>Automatic differentation</a:t>
+            </a:r>
+          </a:p>
+        </p:txBody>
+      </p:sp>
+      <p:sp>
+        <p:nvSpPr>
+          <p:cNvPr id="11" name="TextBox 10">
+            <a:extLst>
+              <a:ext uri="{FF2B5EF4-FFF2-40B4-BE49-F238E27FC236}">
+                <a16:creationId xmlns:a16="http://schemas.microsoft.com/office/drawing/2014/main" id="{D5F6B155-ED5D-4394-A1EF-68CC8DF974B4}"/>
+              </a:ext>
+            </a:extLst>
+          </p:cNvPr>
+          <p:cNvSpPr txBox="1"/>
+          <p:nvPr/>
+        </p:nvSpPr>
+        <p:spPr>
+          <a:xfrm>
+            <a:off x="3034713" y="4685056"/>
+            <a:ext cx="1426128" cy="923330"/>
+          </a:xfrm>
+          <a:prstGeom prst="rect">
+            <a:avLst/>
+          </a:prstGeom>
+          <a:noFill/>
+        </p:spPr>
+        <p:txBody>
+          <a:bodyPr wrap="square" rtlCol="0">
+            <a:spAutoFit/>
+          </a:bodyPr>
+          <a:lstStyle/>
+          <a:p>
+            <a:r>
+              <a:rPr lang="da-DK" dirty="0"/>
+              <a:t>Abstraction to higher order data</a:t>
+            </a:r>
+          </a:p>
+        </p:txBody>
+      </p:sp>
+      <p:sp>
+        <p:nvSpPr>
+          <p:cNvPr id="12" name="TextBox 11">
+            <a:extLst>
+              <a:ext uri="{FF2B5EF4-FFF2-40B4-BE49-F238E27FC236}">
+                <a16:creationId xmlns:a16="http://schemas.microsoft.com/office/drawing/2014/main" id="{E8EAEA57-6185-4970-A384-2C70F55586B1}"/>
+              </a:ext>
+            </a:extLst>
+          </p:cNvPr>
+          <p:cNvSpPr txBox="1"/>
+          <p:nvPr/>
+        </p:nvSpPr>
+        <p:spPr>
+          <a:xfrm>
+            <a:off x="5344069" y="4685056"/>
+            <a:ext cx="1426128" cy="923330"/>
+          </a:xfrm>
+          <a:prstGeom prst="rect">
+            <a:avLst/>
+          </a:prstGeom>
+          <a:noFill/>
+        </p:spPr>
+        <p:txBody>
+          <a:bodyPr wrap="square" rtlCol="0">
+            <a:spAutoFit/>
+          </a:bodyPr>
+          <a:lstStyle/>
+          <a:p>
+            <a:r>
+              <a:rPr lang="da-DK" dirty="0"/>
+              <a:t>Faster computations</a:t>
+            </a:r>
+          </a:p>
+        </p:txBody>
+      </p:sp>
+      <p:sp>
+        <p:nvSpPr>
+          <p:cNvPr id="13" name="TextBox 12">
+            <a:extLst>
+              <a:ext uri="{FF2B5EF4-FFF2-40B4-BE49-F238E27FC236}">
+                <a16:creationId xmlns:a16="http://schemas.microsoft.com/office/drawing/2014/main" id="{30832BCE-C61E-4C30-A8C3-50CCB30FB5D4}"/>
+              </a:ext>
+            </a:extLst>
+          </p:cNvPr>
+          <p:cNvSpPr txBox="1"/>
+          <p:nvPr/>
+        </p:nvSpPr>
+        <p:spPr>
+          <a:xfrm>
+            <a:off x="7627272" y="4685056"/>
+            <a:ext cx="1426128" cy="369332"/>
+          </a:xfrm>
+          <a:prstGeom prst="rect">
+            <a:avLst/>
+          </a:prstGeom>
+          <a:noFill/>
+        </p:spPr>
+        <p:txBody>
+          <a:bodyPr wrap="square" rtlCol="0">
+            <a:spAutoFit/>
+          </a:bodyPr>
+          <a:lstStyle/>
+          <a:p>
+            <a:r>
+              <a:rPr lang="da-DK" dirty="0"/>
+              <a:t>Ease of use</a:t>
+            </a:r>
+          </a:p>
+        </p:txBody>
+      </p:sp>
+    </p:spTree>
+    <p:extLst>
+      <p:ext uri="{BB962C8B-B14F-4D97-AF65-F5344CB8AC3E}">
+        <p14:creationId xmlns:p14="http://schemas.microsoft.com/office/powerpoint/2010/main" val="411016925"/>
+      </p:ext>
+    </p:extLst>
+  </p:cSld>
+  <p:clrMapOvr>
+    <a:masterClrMapping/>
+  </p:clrMapOvr>
+</p:sld>
+</file>
+
+<file path=ppt/slides/slide8.xml><?xml version="1.0" encoding="utf-8"?>
+<p:sld xmlns:a="http://schemas.openxmlformats.org/drawingml/2006/main" xmlns:r="http://schemas.openxmlformats.org/officeDocument/2006/relationships" xmlns:p="http://schemas.openxmlformats.org/presentationml/2006/main">
+  <p:cSld>
+    <p:spTree>
+      <p:nvGrpSpPr>
+        <p:cNvPr id="1" name=""/>
+        <p:cNvGrpSpPr/>
+        <p:nvPr/>
+      </p:nvGrpSpPr>
+      <p:grpSpPr>
+        <a:xfrm>
+          <a:off x="0" y="0"/>
+          <a:ext cx="0" cy="0"/>
+          <a:chOff x="0" y="0"/>
+          <a:chExt cx="0" cy="0"/>
+        </a:xfrm>
+      </p:grpSpPr>
+      <p:sp>
+        <p:nvSpPr>
+          <p:cNvPr id="2" name="Title 1">
+            <a:extLst>
+              <a:ext uri="{FF2B5EF4-FFF2-40B4-BE49-F238E27FC236}">
+                <a16:creationId xmlns:a16="http://schemas.microsoft.com/office/drawing/2014/main" id="{E6807CFB-04BE-43AB-B950-303DCBE4B926}"/>
+              </a:ext>
+            </a:extLst>
+          </p:cNvPr>
+          <p:cNvSpPr>
+            <a:spLocks noGrp="1"/>
+          </p:cNvSpPr>
+          <p:nvPr>
+            <p:ph type="title"/>
+          </p:nvPr>
+        </p:nvSpPr>
+        <p:spPr/>
+        <p:txBody>
+          <a:bodyPr/>
+          <a:lstStyle/>
+          <a:p>
+            <a:r>
+              <a:rPr lang="da-DK" dirty="0"/>
+              <a:t>Meme of the day</a:t>
+            </a:r>
+          </a:p>
+        </p:txBody>
+      </p:sp>
+      <p:sp>
+        <p:nvSpPr>
+          <p:cNvPr id="3" name="Content Placeholder 2">
+            <a:extLst>
+              <a:ext uri="{FF2B5EF4-FFF2-40B4-BE49-F238E27FC236}">
+                <a16:creationId xmlns:a16="http://schemas.microsoft.com/office/drawing/2014/main" id="{5513CE4A-4E41-420D-87F1-5BB683E7647A}"/>
+              </a:ext>
+            </a:extLst>
+          </p:cNvPr>
+          <p:cNvSpPr>
+            <a:spLocks noGrp="1"/>
+          </p:cNvSpPr>
+          <p:nvPr>
+            <p:ph idx="1"/>
+          </p:nvPr>
+        </p:nvSpPr>
+        <p:spPr/>
+        <p:txBody>
+          <a:bodyPr/>
+          <a:lstStyle/>
+          <a:p>
+            <a:endParaRPr lang="da-DK"/>
+          </a:p>
+        </p:txBody>
+      </p:sp>
+      <p:sp>
+        <p:nvSpPr>
+          <p:cNvPr id="4" name="Date Placeholder 3">
+            <a:extLst>
+              <a:ext uri="{FF2B5EF4-FFF2-40B4-BE49-F238E27FC236}">
+                <a16:creationId xmlns:a16="http://schemas.microsoft.com/office/drawing/2014/main" id="{06BBBB3D-7152-4915-9678-39322E5CE246}"/>
+              </a:ext>
+            </a:extLst>
+          </p:cNvPr>
+          <p:cNvSpPr>
+            <a:spLocks noGrp="1"/>
+          </p:cNvSpPr>
+          <p:nvPr>
+            <p:ph type="dt" sz="half" idx="10"/>
+          </p:nvPr>
+        </p:nvSpPr>
+        <p:spPr/>
+        <p:txBody>
+          <a:bodyPr/>
+          <a:lstStyle/>
+          <a:p>
+            <a:fld id="{019E29B9-5584-4737-9C98-1B926378C778}" type="datetime1">
+              <a:rPr lang="en-US" smtClean="0"/>
+              <a:t>4/7/2021</a:t>
+            </a:fld>
+            <a:endParaRPr lang="da-DK"/>
+          </a:p>
+        </p:txBody>
+      </p:sp>
+      <p:sp>
+        <p:nvSpPr>
+          <p:cNvPr id="5" name="Footer Placeholder 4">
+            <a:extLst>
+              <a:ext uri="{FF2B5EF4-FFF2-40B4-BE49-F238E27FC236}">
+                <a16:creationId xmlns:a16="http://schemas.microsoft.com/office/drawing/2014/main" id="{2191107E-5C57-432C-94A1-7E7659056F7D}"/>
+              </a:ext>
+            </a:extLst>
+          </p:cNvPr>
+          <p:cNvSpPr>
+            <a:spLocks noGrp="1"/>
+          </p:cNvSpPr>
+          <p:nvPr>
+            <p:ph type="ftr" sz="quarter" idx="11"/>
+          </p:nvPr>
+        </p:nvSpPr>
+        <p:spPr/>
+        <p:txBody>
+          <a:bodyPr/>
+          <a:lstStyle/>
+          <a:p>
+            <a:r>
+              <a:rPr lang="da-DK"/>
+              <a:t>Nicki Skafte Detlefsen</a:t>
+            </a:r>
+          </a:p>
+        </p:txBody>
+      </p:sp>
+      <p:sp>
+        <p:nvSpPr>
+          <p:cNvPr id="6" name="Slide Number Placeholder 5">
+            <a:extLst>
+              <a:ext uri="{FF2B5EF4-FFF2-40B4-BE49-F238E27FC236}">
+                <a16:creationId xmlns:a16="http://schemas.microsoft.com/office/drawing/2014/main" id="{566C5839-2F07-4488-9415-1B25BC34E3CE}"/>
+              </a:ext>
+            </a:extLst>
+          </p:cNvPr>
+          <p:cNvSpPr>
+            <a:spLocks noGrp="1"/>
+          </p:cNvSpPr>
+          <p:nvPr>
+            <p:ph type="sldNum" sz="quarter" idx="12"/>
+          </p:nvPr>
+        </p:nvSpPr>
+        <p:spPr/>
+        <p:txBody>
+          <a:bodyPr/>
+          <a:lstStyle/>
+          <a:p>
+            <a:fld id="{F6FEDE24-D50C-481B-A7B4-8AF13899101A}" type="slidenum">
+              <a:rPr lang="da-DK" smtClean="0"/>
+              <a:t>8</a:t>
+            </a:fld>
+            <a:endParaRPr lang="da-DK"/>
+          </a:p>
+        </p:txBody>
+      </p:sp>
+      <p:pic>
+        <p:nvPicPr>
+          <p:cNvPr id="8" name="Picture 7">
+            <a:extLst>
+              <a:ext uri="{FF2B5EF4-FFF2-40B4-BE49-F238E27FC236}">
+                <a16:creationId xmlns:a16="http://schemas.microsoft.com/office/drawing/2014/main" id="{85475AC4-C8CF-4DF3-850E-C896C94A1300}"/>
+              </a:ext>
+            </a:extLst>
+          </p:cNvPr>
+          <p:cNvPicPr>
+            <a:picLocks noChangeAspect="1"/>
+          </p:cNvPicPr>
+          <p:nvPr/>
+        </p:nvPicPr>
+        <p:blipFill>
+          <a:blip r:embed="rId2"/>
+          <a:stretch>
+            <a:fillRect/>
+          </a:stretch>
+        </p:blipFill>
+        <p:spPr>
+          <a:xfrm>
+            <a:off x="2324100" y="1240922"/>
+            <a:ext cx="7658100" cy="5038725"/>
+          </a:xfrm>
+          <a:prstGeom prst="rect">
+            <a:avLst/>
+          </a:prstGeom>
+        </p:spPr>
+      </p:pic>
+    </p:spTree>
+    <p:extLst>
+      <p:ext uri="{BB962C8B-B14F-4D97-AF65-F5344CB8AC3E}">
+        <p14:creationId xmlns:p14="http://schemas.microsoft.com/office/powerpoint/2010/main" val="1561460348"/>
       </p:ext>
     </p:extLst>
   </p:cSld>
